--- a/API - CRUD CSharp.pptx
+++ b/API - CRUD CSharp.pptx
@@ -14,11 +14,16 @@
     <p:sldId id="261" r:id="rId8"/>
     <p:sldId id="262" r:id="rId9"/>
     <p:sldId id="266" r:id="rId10"/>
-    <p:sldId id="263" r:id="rId11"/>
-    <p:sldId id="264" r:id="rId12"/>
-    <p:sldId id="265" r:id="rId13"/>
-    <p:sldId id="268" r:id="rId14"/>
-    <p:sldId id="269" r:id="rId15"/>
+    <p:sldId id="274" r:id="rId11"/>
+    <p:sldId id="263" r:id="rId12"/>
+    <p:sldId id="264" r:id="rId13"/>
+    <p:sldId id="265" r:id="rId14"/>
+    <p:sldId id="268" r:id="rId15"/>
+    <p:sldId id="269" r:id="rId16"/>
+    <p:sldId id="270" r:id="rId17"/>
+    <p:sldId id="271" r:id="rId18"/>
+    <p:sldId id="272" r:id="rId19"/>
+    <p:sldId id="273" r:id="rId20"/>
   </p:sldIdLst>
   <p:sldSz cx="12192000" cy="6858000"/>
   <p:notesSz cx="6858000" cy="9144000"/>
@@ -319,7 +324,7 @@
           <a:p>
             <a:fld id="{F5D08B13-D73F-4CAD-BEE5-ECB5D9185A1F}" type="datetimeFigureOut">
               <a:rPr lang="pt-BR" smtClean="0"/>
-              <a:t>29/05/2025</a:t>
+              <a:t>30/05/2025</a:t>
             </a:fld>
             <a:endParaRPr lang="pt-BR"/>
           </a:p>
@@ -489,7 +494,7 @@
           <a:p>
             <a:fld id="{F5D08B13-D73F-4CAD-BEE5-ECB5D9185A1F}" type="datetimeFigureOut">
               <a:rPr lang="pt-BR" smtClean="0"/>
-              <a:t>29/05/2025</a:t>
+              <a:t>30/05/2025</a:t>
             </a:fld>
             <a:endParaRPr lang="pt-BR"/>
           </a:p>
@@ -710,7 +715,7 @@
           <a:p>
             <a:fld id="{F5D08B13-D73F-4CAD-BEE5-ECB5D9185A1F}" type="datetimeFigureOut">
               <a:rPr lang="pt-BR" smtClean="0"/>
-              <a:t>29/05/2025</a:t>
+              <a:t>30/05/2025</a:t>
             </a:fld>
             <a:endParaRPr lang="pt-BR"/>
           </a:p>
@@ -921,7 +926,7 @@
           <a:p>
             <a:fld id="{F5D08B13-D73F-4CAD-BEE5-ECB5D9185A1F}" type="datetimeFigureOut">
               <a:rPr lang="pt-BR" smtClean="0"/>
-              <a:t>29/05/2025</a:t>
+              <a:t>30/05/2025</a:t>
             </a:fld>
             <a:endParaRPr lang="pt-BR"/>
           </a:p>
@@ -1216,7 +1221,7 @@
           <a:p>
             <a:fld id="{F5D08B13-D73F-4CAD-BEE5-ECB5D9185A1F}" type="datetimeFigureOut">
               <a:rPr lang="pt-BR" smtClean="0"/>
-              <a:t>29/05/2025</a:t>
+              <a:t>30/05/2025</a:t>
             </a:fld>
             <a:endParaRPr lang="pt-BR"/>
           </a:p>
@@ -1545,7 +1550,7 @@
           <a:p>
             <a:fld id="{F5D08B13-D73F-4CAD-BEE5-ECB5D9185A1F}" type="datetimeFigureOut">
               <a:rPr lang="pt-BR" smtClean="0"/>
-              <a:t>29/05/2025</a:t>
+              <a:t>30/05/2025</a:t>
             </a:fld>
             <a:endParaRPr lang="pt-BR"/>
           </a:p>
@@ -2037,7 +2042,7 @@
           <a:p>
             <a:fld id="{F5D08B13-D73F-4CAD-BEE5-ECB5D9185A1F}" type="datetimeFigureOut">
               <a:rPr lang="pt-BR" smtClean="0"/>
-              <a:t>29/05/2025</a:t>
+              <a:t>30/05/2025</a:t>
             </a:fld>
             <a:endParaRPr lang="pt-BR"/>
           </a:p>
@@ -2196,7 +2201,7 @@
           <a:p>
             <a:fld id="{F5D08B13-D73F-4CAD-BEE5-ECB5D9185A1F}" type="datetimeFigureOut">
               <a:rPr lang="pt-BR" smtClean="0"/>
-              <a:t>29/05/2025</a:t>
+              <a:t>30/05/2025</a:t>
             </a:fld>
             <a:endParaRPr lang="pt-BR"/>
           </a:p>
@@ -2332,7 +2337,7 @@
           <a:p>
             <a:fld id="{F5D08B13-D73F-4CAD-BEE5-ECB5D9185A1F}" type="datetimeFigureOut">
               <a:rPr lang="pt-BR" smtClean="0"/>
-              <a:t>29/05/2025</a:t>
+              <a:t>30/05/2025</a:t>
             </a:fld>
             <a:endParaRPr lang="pt-BR"/>
           </a:p>
@@ -2660,7 +2665,7 @@
           <a:p>
             <a:fld id="{F5D08B13-D73F-4CAD-BEE5-ECB5D9185A1F}" type="datetimeFigureOut">
               <a:rPr lang="pt-BR" smtClean="0"/>
-              <a:t>29/05/2025</a:t>
+              <a:t>30/05/2025</a:t>
             </a:fld>
             <a:endParaRPr lang="pt-BR"/>
           </a:p>
@@ -2975,7 +2980,7 @@
           <a:p>
             <a:fld id="{F5D08B13-D73F-4CAD-BEE5-ECB5D9185A1F}" type="datetimeFigureOut">
               <a:rPr lang="pt-BR" smtClean="0"/>
-              <a:t>29/05/2025</a:t>
+              <a:t>30/05/2025</a:t>
             </a:fld>
             <a:endParaRPr lang="pt-BR"/>
           </a:p>
@@ -3227,7 +3232,7 @@
           <a:p>
             <a:fld id="{F5D08B13-D73F-4CAD-BEE5-ECB5D9185A1F}" type="datetimeFigureOut">
               <a:rPr lang="pt-BR" smtClean="0"/>
-              <a:t>29/05/2025</a:t>
+              <a:t>30/05/2025</a:t>
             </a:fld>
             <a:endParaRPr lang="pt-BR"/>
           </a:p>
@@ -3789,8 +3794,16 @@
 </file>
 
 <file path=ppt/slides/slide10.xml><?xml version="1.0" encoding="utf-8"?>
-<p:sld xmlns:a="http://schemas.openxmlformats.org/drawingml/2006/main" xmlns:r="http://schemas.openxmlformats.org/officeDocument/2006/relationships" xmlns:p="http://schemas.openxmlformats.org/presentationml/2006/main">
+<p:sld xmlns:a="http://schemas.openxmlformats.org/drawingml/2006/main" xmlns:r="http://schemas.openxmlformats.org/officeDocument/2006/relationships" xmlns:p="http://schemas.openxmlformats.org/presentationml/2006/main" showMasterSp="0">
   <p:cSld>
+    <p:bg>
+      <p:bgPr>
+        <a:solidFill>
+          <a:srgbClr val="1E1E1E"/>
+        </a:solidFill>
+        <a:effectLst/>
+      </p:bgPr>
+    </p:bg>
     <p:spTree>
       <p:nvGrpSpPr>
         <p:cNvPr id="1" name=""/>
@@ -3805,49 +3818,19 @@
           <a:chExt cx="0" cy="0"/>
         </a:xfrm>
       </p:grpSpPr>
-      <p:sp>
-        <p:nvSpPr>
-          <p:cNvPr id="2" name="Título 1">
+      <p:pic>
+        <p:nvPicPr>
+          <p:cNvPr id="5" name="Imagem 4">
             <a:extLst>
               <a:ext uri="{FF2B5EF4-FFF2-40B4-BE49-F238E27FC236}">
-                <a16:creationId xmlns:a16="http://schemas.microsoft.com/office/drawing/2014/main" id="{BB884C97-2B74-A512-1BF4-9E22BFAD34E5}"/>
-              </a:ext>
-            </a:extLst>
-          </p:cNvPr>
-          <p:cNvSpPr>
-            <a:spLocks noGrp="1"/>
-          </p:cNvSpPr>
-          <p:nvPr>
-            <p:ph type="title"/>
-          </p:nvPr>
-        </p:nvSpPr>
-        <p:spPr/>
-        <p:txBody>
-          <a:bodyPr/>
-          <a:lstStyle/>
-          <a:p>
-            <a:r>
-              <a:rPr lang="pt-BR" dirty="0"/>
-              <a:t>Console</a:t>
-            </a:r>
-          </a:p>
-        </p:txBody>
-      </p:sp>
-      <p:pic>
-        <p:nvPicPr>
-          <p:cNvPr id="5" name="Espaço Reservado para Conteúdo 4">
-            <a:extLst>
-              <a:ext uri="{FF2B5EF4-FFF2-40B4-BE49-F238E27FC236}">
-                <a16:creationId xmlns:a16="http://schemas.microsoft.com/office/drawing/2014/main" id="{CC53917D-416F-5CDB-C451-AB96A0977B76}"/>
+                <a16:creationId xmlns:a16="http://schemas.microsoft.com/office/drawing/2014/main" id="{301443E0-902F-B0A5-2FCC-DFE661985E26}"/>
               </a:ext>
             </a:extLst>
           </p:cNvPr>
           <p:cNvPicPr>
-            <a:picLocks noGrp="1" noChangeAspect="1"/>
+            <a:picLocks noChangeAspect="1"/>
           </p:cNvPicPr>
-          <p:nvPr>
-            <p:ph idx="1"/>
-          </p:nvPr>
+          <p:nvPr/>
         </p:nvPicPr>
         <p:blipFill>
           <a:blip r:embed="rId2"/>
@@ -3857,15 +3840,18 @@
         </p:blipFill>
         <p:spPr>
           <a:xfrm>
-            <a:off x="1262063" y="1847427"/>
-            <a:ext cx="8594725" cy="4314083"/>
-          </a:xfrm>
+            <a:off x="1628172" y="259572"/>
+            <a:ext cx="8935655" cy="6338856"/>
+          </a:xfrm>
+          <a:prstGeom prst="rect">
+            <a:avLst/>
+          </a:prstGeom>
         </p:spPr>
       </p:pic>
     </p:spTree>
     <p:extLst>
       <p:ext uri="{BB962C8B-B14F-4D97-AF65-F5344CB8AC3E}">
-        <p14:creationId xmlns:p14="http://schemas.microsoft.com/office/powerpoint/2010/main" val="1114503969"/>
+        <p14:creationId xmlns:p14="http://schemas.microsoft.com/office/powerpoint/2010/main" val="2730574537"/>
       </p:ext>
     </p:extLst>
   </p:cSld>
@@ -3897,7 +3883,7 @@
           <p:cNvPr id="2" name="Título 1">
             <a:extLst>
               <a:ext uri="{FF2B5EF4-FFF2-40B4-BE49-F238E27FC236}">
-                <a16:creationId xmlns:a16="http://schemas.microsoft.com/office/drawing/2014/main" id="{F2EC630E-603B-74A8-2CA7-1F6E351AA592}"/>
+                <a16:creationId xmlns:a16="http://schemas.microsoft.com/office/drawing/2014/main" id="{BB884C97-2B74-A512-1BF4-9E22BFAD34E5}"/>
               </a:ext>
             </a:extLst>
           </p:cNvPr>
@@ -3914,129 +3900,45 @@
           <a:lstStyle/>
           <a:p>
             <a:r>
-              <a:rPr lang="pt-BR" dirty="0" err="1"/>
-              <a:t>Migrations</a:t>
-            </a:r>
-            <a:endParaRPr lang="pt-BR" dirty="0"/>
-          </a:p>
-        </p:txBody>
-      </p:sp>
-      <p:sp>
-        <p:nvSpPr>
-          <p:cNvPr id="3" name="Espaço Reservado para Conteúdo 2">
+              <a:rPr lang="pt-BR" dirty="0"/>
+              <a:t>Console</a:t>
+            </a:r>
+          </a:p>
+        </p:txBody>
+      </p:sp>
+      <p:pic>
+        <p:nvPicPr>
+          <p:cNvPr id="5" name="Espaço Reservado para Conteúdo 4">
             <a:extLst>
               <a:ext uri="{FF2B5EF4-FFF2-40B4-BE49-F238E27FC236}">
-                <a16:creationId xmlns:a16="http://schemas.microsoft.com/office/drawing/2014/main" id="{1C892CB9-23A3-810E-2489-1E0771E0B77B}"/>
-              </a:ext>
-            </a:extLst>
-          </p:cNvPr>
-          <p:cNvSpPr>
-            <a:spLocks noGrp="1"/>
-          </p:cNvSpPr>
-          <p:nvPr>
-            <p:ph sz="half" idx="1"/>
-          </p:nvPr>
-        </p:nvSpPr>
-        <p:spPr>
-          <a:xfrm>
-            <a:off x="1261872" y="1828800"/>
-            <a:ext cx="4716018" cy="4351337"/>
-          </a:xfrm>
-        </p:spPr>
-        <p:txBody>
-          <a:bodyPr/>
-          <a:lstStyle/>
-          <a:p>
-            <a:r>
-              <a:rPr lang="pt-BR" dirty="0" err="1"/>
-              <a:t>DbSet</a:t>
-            </a:r>
-            <a:r>
-              <a:rPr lang="pt-BR" dirty="0"/>
-              <a:t>&lt;T&gt; na sua classe </a:t>
-            </a:r>
-            <a:r>
-              <a:rPr lang="pt-BR" dirty="0" err="1"/>
-              <a:t>DbContext</a:t>
-            </a:r>
-            <a:r>
-              <a:rPr lang="pt-BR" dirty="0"/>
-              <a:t> vira uma tabela no banco de dados quando você executa uma </a:t>
-            </a:r>
-            <a:r>
-              <a:rPr lang="pt-BR" dirty="0" err="1"/>
-              <a:t>migration</a:t>
-            </a:r>
-            <a:r>
-              <a:rPr lang="pt-BR" dirty="0"/>
-              <a:t>, mas com algumas observações importantes. Vamos</a:t>
-            </a:r>
-          </a:p>
-        </p:txBody>
-      </p:sp>
-      <p:pic>
-        <p:nvPicPr>
-          <p:cNvPr id="6" name="Imagem 5">
-            <a:extLst>
-              <a:ext uri="{FF2B5EF4-FFF2-40B4-BE49-F238E27FC236}">
-                <a16:creationId xmlns:a16="http://schemas.microsoft.com/office/drawing/2014/main" id="{08F30D16-1514-071D-D20E-DE9F64F2F54C}"/>
+                <a16:creationId xmlns:a16="http://schemas.microsoft.com/office/drawing/2014/main" id="{CC53917D-416F-5CDB-C451-AB96A0977B76}"/>
               </a:ext>
             </a:extLst>
           </p:cNvPr>
           <p:cNvPicPr>
-            <a:picLocks noChangeAspect="1"/>
+            <a:picLocks noGrp="1" noChangeAspect="1"/>
           </p:cNvPicPr>
-          <p:nvPr/>
-        </p:nvPicPr>
-        <p:blipFill rotWithShape="1">
-          <a:blip r:embed="rId2"/>
-          <a:srcRect r="39627"/>
-          <a:stretch/>
-        </p:blipFill>
-        <p:spPr>
-          <a:xfrm>
-            <a:off x="6604173" y="1691322"/>
-            <a:ext cx="3991437" cy="2000529"/>
-          </a:xfrm>
-          <a:prstGeom prst="rect">
-            <a:avLst/>
-          </a:prstGeom>
-        </p:spPr>
-      </p:pic>
-      <p:pic>
-        <p:nvPicPr>
-          <p:cNvPr id="5" name="Imagem 4">
-            <a:extLst>
-              <a:ext uri="{FF2B5EF4-FFF2-40B4-BE49-F238E27FC236}">
-                <a16:creationId xmlns:a16="http://schemas.microsoft.com/office/drawing/2014/main" id="{868A6EB7-9A18-E72E-6A5C-CBD89034B8D4}"/>
-              </a:ext>
-            </a:extLst>
-          </p:cNvPr>
-          <p:cNvPicPr>
-            <a:picLocks noChangeAspect="1"/>
-          </p:cNvPicPr>
-          <p:nvPr/>
+          <p:nvPr>
+            <p:ph idx="1"/>
+          </p:nvPr>
         </p:nvPicPr>
         <p:blipFill>
-          <a:blip r:embed="rId3"/>
+          <a:blip r:embed="rId2"/>
           <a:stretch>
             <a:fillRect/>
           </a:stretch>
         </p:blipFill>
         <p:spPr>
           <a:xfrm>
-            <a:off x="2374112" y="4669560"/>
-            <a:ext cx="6735115" cy="1648055"/>
-          </a:xfrm>
-          <a:prstGeom prst="rect">
-            <a:avLst/>
-          </a:prstGeom>
+            <a:off x="1262063" y="1847427"/>
+            <a:ext cx="8594725" cy="4314083"/>
+          </a:xfrm>
         </p:spPr>
       </p:pic>
     </p:spTree>
     <p:extLst>
       <p:ext uri="{BB962C8B-B14F-4D97-AF65-F5344CB8AC3E}">
-        <p14:creationId xmlns:p14="http://schemas.microsoft.com/office/powerpoint/2010/main" val="933523569"/>
+        <p14:creationId xmlns:p14="http://schemas.microsoft.com/office/powerpoint/2010/main" val="1114503969"/>
       </p:ext>
     </p:extLst>
   </p:cSld>
@@ -4068,6 +3970,177 @@
           <p:cNvPr id="2" name="Título 1">
             <a:extLst>
               <a:ext uri="{FF2B5EF4-FFF2-40B4-BE49-F238E27FC236}">
+                <a16:creationId xmlns:a16="http://schemas.microsoft.com/office/drawing/2014/main" id="{F2EC630E-603B-74A8-2CA7-1F6E351AA592}"/>
+              </a:ext>
+            </a:extLst>
+          </p:cNvPr>
+          <p:cNvSpPr>
+            <a:spLocks noGrp="1"/>
+          </p:cNvSpPr>
+          <p:nvPr>
+            <p:ph type="title"/>
+          </p:nvPr>
+        </p:nvSpPr>
+        <p:spPr/>
+        <p:txBody>
+          <a:bodyPr/>
+          <a:lstStyle/>
+          <a:p>
+            <a:r>
+              <a:rPr lang="pt-BR" dirty="0" err="1"/>
+              <a:t>Migrations</a:t>
+            </a:r>
+            <a:endParaRPr lang="pt-BR" dirty="0"/>
+          </a:p>
+        </p:txBody>
+      </p:sp>
+      <p:sp>
+        <p:nvSpPr>
+          <p:cNvPr id="3" name="Espaço Reservado para Conteúdo 2">
+            <a:extLst>
+              <a:ext uri="{FF2B5EF4-FFF2-40B4-BE49-F238E27FC236}">
+                <a16:creationId xmlns:a16="http://schemas.microsoft.com/office/drawing/2014/main" id="{1C892CB9-23A3-810E-2489-1E0771E0B77B}"/>
+              </a:ext>
+            </a:extLst>
+          </p:cNvPr>
+          <p:cNvSpPr>
+            <a:spLocks noGrp="1"/>
+          </p:cNvSpPr>
+          <p:nvPr>
+            <p:ph sz="half" idx="1"/>
+          </p:nvPr>
+        </p:nvSpPr>
+        <p:spPr>
+          <a:xfrm>
+            <a:off x="1261872" y="1828800"/>
+            <a:ext cx="4716018" cy="4351337"/>
+          </a:xfrm>
+        </p:spPr>
+        <p:txBody>
+          <a:bodyPr/>
+          <a:lstStyle/>
+          <a:p>
+            <a:r>
+              <a:rPr lang="pt-BR" dirty="0" err="1"/>
+              <a:t>DbSet</a:t>
+            </a:r>
+            <a:r>
+              <a:rPr lang="pt-BR" dirty="0"/>
+              <a:t>&lt;T&gt; na sua classe </a:t>
+            </a:r>
+            <a:r>
+              <a:rPr lang="pt-BR" dirty="0" err="1"/>
+              <a:t>DbContext</a:t>
+            </a:r>
+            <a:r>
+              <a:rPr lang="pt-BR" dirty="0"/>
+              <a:t> vira uma tabela no banco de dados quando você executa uma </a:t>
+            </a:r>
+            <a:r>
+              <a:rPr lang="pt-BR" dirty="0" err="1"/>
+              <a:t>migration</a:t>
+            </a:r>
+            <a:r>
+              <a:rPr lang="pt-BR" dirty="0"/>
+              <a:t>, mas com algumas observações importantes. Vamos</a:t>
+            </a:r>
+          </a:p>
+        </p:txBody>
+      </p:sp>
+      <p:pic>
+        <p:nvPicPr>
+          <p:cNvPr id="6" name="Imagem 5">
+            <a:extLst>
+              <a:ext uri="{FF2B5EF4-FFF2-40B4-BE49-F238E27FC236}">
+                <a16:creationId xmlns:a16="http://schemas.microsoft.com/office/drawing/2014/main" id="{08F30D16-1514-071D-D20E-DE9F64F2F54C}"/>
+              </a:ext>
+            </a:extLst>
+          </p:cNvPr>
+          <p:cNvPicPr>
+            <a:picLocks noChangeAspect="1"/>
+          </p:cNvPicPr>
+          <p:nvPr/>
+        </p:nvPicPr>
+        <p:blipFill rotWithShape="1">
+          <a:blip r:embed="rId2"/>
+          <a:srcRect r="39627"/>
+          <a:stretch/>
+        </p:blipFill>
+        <p:spPr>
+          <a:xfrm>
+            <a:off x="6604173" y="1691322"/>
+            <a:ext cx="3991437" cy="2000529"/>
+          </a:xfrm>
+          <a:prstGeom prst="rect">
+            <a:avLst/>
+          </a:prstGeom>
+        </p:spPr>
+      </p:pic>
+      <p:pic>
+        <p:nvPicPr>
+          <p:cNvPr id="5" name="Imagem 4">
+            <a:extLst>
+              <a:ext uri="{FF2B5EF4-FFF2-40B4-BE49-F238E27FC236}">
+                <a16:creationId xmlns:a16="http://schemas.microsoft.com/office/drawing/2014/main" id="{868A6EB7-9A18-E72E-6A5C-CBD89034B8D4}"/>
+              </a:ext>
+            </a:extLst>
+          </p:cNvPr>
+          <p:cNvPicPr>
+            <a:picLocks noChangeAspect="1"/>
+          </p:cNvPicPr>
+          <p:nvPr/>
+        </p:nvPicPr>
+        <p:blipFill>
+          <a:blip r:embed="rId3"/>
+          <a:stretch>
+            <a:fillRect/>
+          </a:stretch>
+        </p:blipFill>
+        <p:spPr>
+          <a:xfrm>
+            <a:off x="2374112" y="4669560"/>
+            <a:ext cx="6735115" cy="1648055"/>
+          </a:xfrm>
+          <a:prstGeom prst="rect">
+            <a:avLst/>
+          </a:prstGeom>
+        </p:spPr>
+      </p:pic>
+    </p:spTree>
+    <p:extLst>
+      <p:ext uri="{BB962C8B-B14F-4D97-AF65-F5344CB8AC3E}">
+        <p14:creationId xmlns:p14="http://schemas.microsoft.com/office/powerpoint/2010/main" val="933523569"/>
+      </p:ext>
+    </p:extLst>
+  </p:cSld>
+  <p:clrMapOvr>
+    <a:masterClrMapping/>
+  </p:clrMapOvr>
+</p:sld>
+</file>
+
+<file path=ppt/slides/slide13.xml><?xml version="1.0" encoding="utf-8"?>
+<p:sld xmlns:a="http://schemas.openxmlformats.org/drawingml/2006/main" xmlns:r="http://schemas.openxmlformats.org/officeDocument/2006/relationships" xmlns:p="http://schemas.openxmlformats.org/presentationml/2006/main">
+  <p:cSld>
+    <p:spTree>
+      <p:nvGrpSpPr>
+        <p:cNvPr id="1" name=""/>
+        <p:cNvGrpSpPr/>
+        <p:nvPr/>
+      </p:nvGrpSpPr>
+      <p:grpSpPr>
+        <a:xfrm>
+          <a:off x="0" y="0"/>
+          <a:ext cx="0" cy="0"/>
+          <a:chOff x="0" y="0"/>
+          <a:chExt cx="0" cy="0"/>
+        </a:xfrm>
+      </p:grpSpPr>
+      <p:sp>
+        <p:nvSpPr>
+          <p:cNvPr id="2" name="Título 1">
+            <a:extLst>
+              <a:ext uri="{FF2B5EF4-FFF2-40B4-BE49-F238E27FC236}">
                 <a16:creationId xmlns:a16="http://schemas.microsoft.com/office/drawing/2014/main" id="{A3C80DF9-2F6F-230D-2DDF-B384F03FB41C}"/>
               </a:ext>
             </a:extLst>
@@ -4112,7 +4185,10 @@
           <a:bodyPr/>
           <a:lstStyle/>
           <a:p>
-            <a:endParaRPr lang="pt-BR"/>
+            <a:r>
+              <a:rPr lang="pt-BR" dirty="0"/>
+              <a:t>CRUD</a:t>
+            </a:r>
           </a:p>
         </p:txBody>
       </p:sp>
@@ -4129,7 +4205,7 @@
 </p:sld>
 </file>
 
-<file path=ppt/slides/slide13.xml><?xml version="1.0" encoding="utf-8"?>
+<file path=ppt/slides/slide14.xml><?xml version="1.0" encoding="utf-8"?>
 <p:sld xmlns:a="http://schemas.openxmlformats.org/drawingml/2006/main" xmlns:r="http://schemas.openxmlformats.org/officeDocument/2006/relationships" xmlns:p="http://schemas.openxmlformats.org/presentationml/2006/main">
   <p:cSld>
     <p:spTree>
@@ -4357,7 +4433,7 @@
 </p:sld>
 </file>
 
-<file path=ppt/slides/slide14.xml><?xml version="1.0" encoding="utf-8"?>
+<file path=ppt/slides/slide15.xml><?xml version="1.0" encoding="utf-8"?>
 <p:sld xmlns:a="http://schemas.openxmlformats.org/drawingml/2006/main" xmlns:r="http://schemas.openxmlformats.org/officeDocument/2006/relationships" xmlns:p="http://schemas.openxmlformats.org/presentationml/2006/main" showMasterSp="0">
   <p:cSld>
     <p:bg>
@@ -4446,6 +4522,398 @@
     <p:extLst>
       <p:ext uri="{BB962C8B-B14F-4D97-AF65-F5344CB8AC3E}">
         <p14:creationId xmlns:p14="http://schemas.microsoft.com/office/powerpoint/2010/main" val="3083142265"/>
+      </p:ext>
+    </p:extLst>
+  </p:cSld>
+  <p:clrMapOvr>
+    <a:masterClrMapping/>
+  </p:clrMapOvr>
+</p:sld>
+</file>
+
+<file path=ppt/slides/slide16.xml><?xml version="1.0" encoding="utf-8"?>
+<p:sld xmlns:a="http://schemas.openxmlformats.org/drawingml/2006/main" xmlns:r="http://schemas.openxmlformats.org/officeDocument/2006/relationships" xmlns:p="http://schemas.openxmlformats.org/presentationml/2006/main" showMasterSp="0">
+  <p:cSld>
+    <p:bg>
+      <p:bgPr>
+        <a:solidFill>
+          <a:srgbClr val="1E1E1E"/>
+        </a:solidFill>
+        <a:effectLst/>
+      </p:bgPr>
+    </p:bg>
+    <p:spTree>
+      <p:nvGrpSpPr>
+        <p:cNvPr id="1" name=""/>
+        <p:cNvGrpSpPr/>
+        <p:nvPr/>
+      </p:nvGrpSpPr>
+      <p:grpSpPr>
+        <a:xfrm>
+          <a:off x="0" y="0"/>
+          <a:ext cx="0" cy="0"/>
+          <a:chOff x="0" y="0"/>
+          <a:chExt cx="0" cy="0"/>
+        </a:xfrm>
+      </p:grpSpPr>
+      <p:pic>
+        <p:nvPicPr>
+          <p:cNvPr id="3" name="Imagem 2">
+            <a:extLst>
+              <a:ext uri="{FF2B5EF4-FFF2-40B4-BE49-F238E27FC236}">
+                <a16:creationId xmlns:a16="http://schemas.microsoft.com/office/drawing/2014/main" id="{3D9CBD5A-3CC2-30C3-D418-D76F23782619}"/>
+              </a:ext>
+            </a:extLst>
+          </p:cNvPr>
+          <p:cNvPicPr>
+            <a:picLocks noChangeAspect="1"/>
+          </p:cNvPicPr>
+          <p:nvPr/>
+        </p:nvPicPr>
+        <p:blipFill>
+          <a:blip r:embed="rId2"/>
+          <a:stretch>
+            <a:fillRect/>
+          </a:stretch>
+        </p:blipFill>
+        <p:spPr>
+          <a:xfrm>
+            <a:off x="0" y="0"/>
+            <a:ext cx="6470623" cy="3429000"/>
+          </a:xfrm>
+          <a:prstGeom prst="rect">
+            <a:avLst/>
+          </a:prstGeom>
+        </p:spPr>
+      </p:pic>
+      <p:pic>
+        <p:nvPicPr>
+          <p:cNvPr id="5" name="Imagem 4">
+            <a:extLst>
+              <a:ext uri="{FF2B5EF4-FFF2-40B4-BE49-F238E27FC236}">
+                <a16:creationId xmlns:a16="http://schemas.microsoft.com/office/drawing/2014/main" id="{ED62A191-8585-ADF1-6EE3-884F22AF903A}"/>
+              </a:ext>
+            </a:extLst>
+          </p:cNvPr>
+          <p:cNvPicPr>
+            <a:picLocks noChangeAspect="1"/>
+          </p:cNvPicPr>
+          <p:nvPr/>
+        </p:nvPicPr>
+        <p:blipFill>
+          <a:blip r:embed="rId3"/>
+          <a:stretch>
+            <a:fillRect/>
+          </a:stretch>
+        </p:blipFill>
+        <p:spPr>
+          <a:xfrm>
+            <a:off x="4661084" y="2361235"/>
+            <a:ext cx="7530916" cy="4496765"/>
+          </a:xfrm>
+          <a:prstGeom prst="rect">
+            <a:avLst/>
+          </a:prstGeom>
+        </p:spPr>
+      </p:pic>
+    </p:spTree>
+    <p:extLst>
+      <p:ext uri="{BB962C8B-B14F-4D97-AF65-F5344CB8AC3E}">
+        <p14:creationId xmlns:p14="http://schemas.microsoft.com/office/powerpoint/2010/main" val="3624179639"/>
+      </p:ext>
+    </p:extLst>
+  </p:cSld>
+  <p:clrMapOvr>
+    <a:masterClrMapping/>
+  </p:clrMapOvr>
+</p:sld>
+</file>
+
+<file path=ppt/slides/slide17.xml><?xml version="1.0" encoding="utf-8"?>
+<p:sld xmlns:a="http://schemas.openxmlformats.org/drawingml/2006/main" xmlns:r="http://schemas.openxmlformats.org/officeDocument/2006/relationships" xmlns:p="http://schemas.openxmlformats.org/presentationml/2006/main" showMasterSp="0">
+  <p:cSld>
+    <p:bg>
+      <p:bgPr>
+        <a:solidFill>
+          <a:srgbClr val="1E1E1E"/>
+        </a:solidFill>
+        <a:effectLst/>
+      </p:bgPr>
+    </p:bg>
+    <p:spTree>
+      <p:nvGrpSpPr>
+        <p:cNvPr id="1" name=""/>
+        <p:cNvGrpSpPr/>
+        <p:nvPr/>
+      </p:nvGrpSpPr>
+      <p:grpSpPr>
+        <a:xfrm>
+          <a:off x="0" y="0"/>
+          <a:ext cx="0" cy="0"/>
+          <a:chOff x="0" y="0"/>
+          <a:chExt cx="0" cy="0"/>
+        </a:xfrm>
+      </p:grpSpPr>
+      <p:pic>
+        <p:nvPicPr>
+          <p:cNvPr id="3" name="Imagem 2">
+            <a:extLst>
+              <a:ext uri="{FF2B5EF4-FFF2-40B4-BE49-F238E27FC236}">
+                <a16:creationId xmlns:a16="http://schemas.microsoft.com/office/drawing/2014/main" id="{D6DAB731-7B39-66DE-D387-7EAEDAA4801F}"/>
+              </a:ext>
+            </a:extLst>
+          </p:cNvPr>
+          <p:cNvPicPr>
+            <a:picLocks noChangeAspect="1"/>
+          </p:cNvPicPr>
+          <p:nvPr/>
+        </p:nvPicPr>
+        <p:blipFill>
+          <a:blip r:embed="rId2"/>
+          <a:stretch>
+            <a:fillRect/>
+          </a:stretch>
+        </p:blipFill>
+        <p:spPr>
+          <a:xfrm>
+            <a:off x="0" y="0"/>
+            <a:ext cx="7058970" cy="3634451"/>
+          </a:xfrm>
+          <a:prstGeom prst="rect">
+            <a:avLst/>
+          </a:prstGeom>
+        </p:spPr>
+      </p:pic>
+      <p:pic>
+        <p:nvPicPr>
+          <p:cNvPr id="5" name="Imagem 4">
+            <a:extLst>
+              <a:ext uri="{FF2B5EF4-FFF2-40B4-BE49-F238E27FC236}">
+                <a16:creationId xmlns:a16="http://schemas.microsoft.com/office/drawing/2014/main" id="{294624AE-FC92-7CC5-D92E-4446B9FC4105}"/>
+              </a:ext>
+            </a:extLst>
+          </p:cNvPr>
+          <p:cNvPicPr>
+            <a:picLocks noChangeAspect="1"/>
+          </p:cNvPicPr>
+          <p:nvPr/>
+        </p:nvPicPr>
+        <p:blipFill>
+          <a:blip r:embed="rId3"/>
+          <a:stretch>
+            <a:fillRect/>
+          </a:stretch>
+        </p:blipFill>
+        <p:spPr>
+          <a:xfrm>
+            <a:off x="5486400" y="2719681"/>
+            <a:ext cx="6705600" cy="4123875"/>
+          </a:xfrm>
+          <a:prstGeom prst="rect">
+            <a:avLst/>
+          </a:prstGeom>
+        </p:spPr>
+      </p:pic>
+    </p:spTree>
+    <p:extLst>
+      <p:ext uri="{BB962C8B-B14F-4D97-AF65-F5344CB8AC3E}">
+        <p14:creationId xmlns:p14="http://schemas.microsoft.com/office/powerpoint/2010/main" val="1195230636"/>
+      </p:ext>
+    </p:extLst>
+  </p:cSld>
+  <p:clrMapOvr>
+    <a:masterClrMapping/>
+  </p:clrMapOvr>
+</p:sld>
+</file>
+
+<file path=ppt/slides/slide18.xml><?xml version="1.0" encoding="utf-8"?>
+<p:sld xmlns:a="http://schemas.openxmlformats.org/drawingml/2006/main" xmlns:r="http://schemas.openxmlformats.org/officeDocument/2006/relationships" xmlns:p="http://schemas.openxmlformats.org/presentationml/2006/main" showMasterSp="0">
+  <p:cSld>
+    <p:bg>
+      <p:bgPr>
+        <a:solidFill>
+          <a:srgbClr val="1E1E1E"/>
+        </a:solidFill>
+        <a:effectLst/>
+      </p:bgPr>
+    </p:bg>
+    <p:spTree>
+      <p:nvGrpSpPr>
+        <p:cNvPr id="1" name=""/>
+        <p:cNvGrpSpPr/>
+        <p:nvPr/>
+      </p:nvGrpSpPr>
+      <p:grpSpPr>
+        <a:xfrm>
+          <a:off x="0" y="0"/>
+          <a:ext cx="0" cy="0"/>
+          <a:chOff x="0" y="0"/>
+          <a:chExt cx="0" cy="0"/>
+        </a:xfrm>
+      </p:grpSpPr>
+      <p:pic>
+        <p:nvPicPr>
+          <p:cNvPr id="4" name="Imagem 3">
+            <a:extLst>
+              <a:ext uri="{FF2B5EF4-FFF2-40B4-BE49-F238E27FC236}">
+                <a16:creationId xmlns:a16="http://schemas.microsoft.com/office/drawing/2014/main" id="{F632A988-1013-B8E9-CEAD-E4C6E5BFF8A1}"/>
+              </a:ext>
+            </a:extLst>
+          </p:cNvPr>
+          <p:cNvPicPr>
+            <a:picLocks noChangeAspect="1"/>
+          </p:cNvPicPr>
+          <p:nvPr/>
+        </p:nvPicPr>
+        <p:blipFill>
+          <a:blip r:embed="rId2"/>
+          <a:stretch>
+            <a:fillRect/>
+          </a:stretch>
+        </p:blipFill>
+        <p:spPr>
+          <a:xfrm>
+            <a:off x="0" y="0"/>
+            <a:ext cx="7645212" cy="3308454"/>
+          </a:xfrm>
+          <a:prstGeom prst="rect">
+            <a:avLst/>
+          </a:prstGeom>
+        </p:spPr>
+      </p:pic>
+      <p:pic>
+        <p:nvPicPr>
+          <p:cNvPr id="7" name="Imagem 6">
+            <a:extLst>
+              <a:ext uri="{FF2B5EF4-FFF2-40B4-BE49-F238E27FC236}">
+                <a16:creationId xmlns:a16="http://schemas.microsoft.com/office/drawing/2014/main" id="{5EF3F2E0-3912-9AC1-CAC8-887F8D1F5FBE}"/>
+              </a:ext>
+            </a:extLst>
+          </p:cNvPr>
+          <p:cNvPicPr>
+            <a:picLocks noChangeAspect="1"/>
+          </p:cNvPicPr>
+          <p:nvPr/>
+        </p:nvPicPr>
+        <p:blipFill>
+          <a:blip r:embed="rId3"/>
+          <a:stretch>
+            <a:fillRect/>
+          </a:stretch>
+        </p:blipFill>
+        <p:spPr>
+          <a:xfrm>
+            <a:off x="4443186" y="3078866"/>
+            <a:ext cx="7748813" cy="3779134"/>
+          </a:xfrm>
+          <a:prstGeom prst="rect">
+            <a:avLst/>
+          </a:prstGeom>
+        </p:spPr>
+      </p:pic>
+    </p:spTree>
+    <p:extLst>
+      <p:ext uri="{BB962C8B-B14F-4D97-AF65-F5344CB8AC3E}">
+        <p14:creationId xmlns:p14="http://schemas.microsoft.com/office/powerpoint/2010/main" val="715525511"/>
+      </p:ext>
+    </p:extLst>
+  </p:cSld>
+  <p:clrMapOvr>
+    <a:masterClrMapping/>
+  </p:clrMapOvr>
+</p:sld>
+</file>
+
+<file path=ppt/slides/slide19.xml><?xml version="1.0" encoding="utf-8"?>
+<p:sld xmlns:a="http://schemas.openxmlformats.org/drawingml/2006/main" xmlns:r="http://schemas.openxmlformats.org/officeDocument/2006/relationships" xmlns:p="http://schemas.openxmlformats.org/presentationml/2006/main" showMasterSp="0">
+  <p:cSld>
+    <p:bg>
+      <p:bgPr>
+        <a:solidFill>
+          <a:srgbClr val="1E1E1E"/>
+        </a:solidFill>
+        <a:effectLst/>
+      </p:bgPr>
+    </p:bg>
+    <p:spTree>
+      <p:nvGrpSpPr>
+        <p:cNvPr id="1" name=""/>
+        <p:cNvGrpSpPr/>
+        <p:nvPr/>
+      </p:nvGrpSpPr>
+      <p:grpSpPr>
+        <a:xfrm>
+          <a:off x="0" y="0"/>
+          <a:ext cx="0" cy="0"/>
+          <a:chOff x="0" y="0"/>
+          <a:chExt cx="0" cy="0"/>
+        </a:xfrm>
+      </p:grpSpPr>
+      <p:pic>
+        <p:nvPicPr>
+          <p:cNvPr id="3" name="Imagem 2">
+            <a:extLst>
+              <a:ext uri="{FF2B5EF4-FFF2-40B4-BE49-F238E27FC236}">
+                <a16:creationId xmlns:a16="http://schemas.microsoft.com/office/drawing/2014/main" id="{982F1E57-410F-2579-6153-D7F934ED0670}"/>
+              </a:ext>
+            </a:extLst>
+          </p:cNvPr>
+          <p:cNvPicPr>
+            <a:picLocks noChangeAspect="1"/>
+          </p:cNvPicPr>
+          <p:nvPr/>
+        </p:nvPicPr>
+        <p:blipFill>
+          <a:blip r:embed="rId2"/>
+          <a:stretch>
+            <a:fillRect/>
+          </a:stretch>
+        </p:blipFill>
+        <p:spPr>
+          <a:xfrm>
+            <a:off x="1069801" y="4114801"/>
+            <a:ext cx="9196890" cy="2368062"/>
+          </a:xfrm>
+          <a:prstGeom prst="rect">
+            <a:avLst/>
+          </a:prstGeom>
+        </p:spPr>
+      </p:pic>
+      <p:pic>
+        <p:nvPicPr>
+          <p:cNvPr id="5" name="Imagem 4">
+            <a:extLst>
+              <a:ext uri="{FF2B5EF4-FFF2-40B4-BE49-F238E27FC236}">
+                <a16:creationId xmlns:a16="http://schemas.microsoft.com/office/drawing/2014/main" id="{A7370AD3-ECFB-AEEB-4ABC-EA1A5CC69D33}"/>
+              </a:ext>
+            </a:extLst>
+          </p:cNvPr>
+          <p:cNvPicPr>
+            <a:picLocks noChangeAspect="1"/>
+          </p:cNvPicPr>
+          <p:nvPr/>
+        </p:nvPicPr>
+        <p:blipFill>
+          <a:blip r:embed="rId3"/>
+          <a:stretch>
+            <a:fillRect/>
+          </a:stretch>
+        </p:blipFill>
+        <p:spPr>
+          <a:xfrm>
+            <a:off x="1735095" y="1"/>
+            <a:ext cx="7854382" cy="3823212"/>
+          </a:xfrm>
+          <a:prstGeom prst="rect">
+            <a:avLst/>
+          </a:prstGeom>
+        </p:spPr>
+      </p:pic>
+    </p:spTree>
+    <p:extLst>
+      <p:ext uri="{BB962C8B-B14F-4D97-AF65-F5344CB8AC3E}">
+        <p14:creationId xmlns:p14="http://schemas.microsoft.com/office/powerpoint/2010/main" val="285123507"/>
       </p:ext>
     </p:extLst>
   </p:cSld>
